--- a/산출물/발표자료.pptx
+++ b/산출물/발표자료.pptx
@@ -1743,7 +1743,7 @@
           <a:p>
             <a:fld id="{F48B0972-FBE4-4DD3-8B54-69CBEBFCFB19}" type="datetimeFigureOut">
               <a:rPr lang="ko-KR" altLang="en-US" smtClean="0"/>
-              <a:t>2025-09-17</a:t>
+              <a:t>2025-10-13</a:t>
             </a:fld>
             <a:endParaRPr lang="ko-KR" altLang="en-US"/>
           </a:p>
@@ -2957,7 +2957,7 @@
           <a:p>
             <a:fld id="{2301FE38-E79F-4AB1-AD23-A786496F1CB1}" type="datetimeFigureOut">
               <a:rPr lang="ko-KR" altLang="en-US" smtClean="0"/>
-              <a:t>2025-09-17</a:t>
+              <a:t>2025-10-13</a:t>
             </a:fld>
             <a:endParaRPr lang="ko-KR" altLang="en-US"/>
           </a:p>
@@ -3179,7 +3179,7 @@
           <a:p>
             <a:fld id="{2301FE38-E79F-4AB1-AD23-A786496F1CB1}" type="datetimeFigureOut">
               <a:rPr lang="ko-KR" altLang="en-US" smtClean="0"/>
-              <a:t>2025-09-17</a:t>
+              <a:t>2025-10-13</a:t>
             </a:fld>
             <a:endParaRPr lang="ko-KR" altLang="en-US"/>
           </a:p>
@@ -3359,7 +3359,7 @@
           <a:p>
             <a:fld id="{2301FE38-E79F-4AB1-AD23-A786496F1CB1}" type="datetimeFigureOut">
               <a:rPr lang="ko-KR" altLang="en-US" smtClean="0"/>
-              <a:t>2025-09-17</a:t>
+              <a:t>2025-10-13</a:t>
             </a:fld>
             <a:endParaRPr lang="ko-KR" altLang="en-US"/>
           </a:p>
@@ -3567,7 +3567,7 @@
           <a:p>
             <a:fld id="{6C60E06C-93A1-47B3-80FF-174835BE09C3}" type="datetimeFigureOut">
               <a:rPr lang="ko-KR" altLang="en-US" smtClean="0"/>
-              <a:t>2025-09-17</a:t>
+              <a:t>2025-10-13</a:t>
             </a:fld>
             <a:endParaRPr lang="ko-KR" altLang="en-US"/>
           </a:p>
@@ -3765,7 +3765,7 @@
           <a:p>
             <a:fld id="{6C60E06C-93A1-47B3-80FF-174835BE09C3}" type="datetimeFigureOut">
               <a:rPr lang="ko-KR" altLang="en-US" smtClean="0"/>
-              <a:t>2025-09-17</a:t>
+              <a:t>2025-10-13</a:t>
             </a:fld>
             <a:endParaRPr lang="ko-KR" altLang="en-US"/>
           </a:p>
@@ -4040,7 +4040,7 @@
           <a:p>
             <a:fld id="{6C60E06C-93A1-47B3-80FF-174835BE09C3}" type="datetimeFigureOut">
               <a:rPr lang="ko-KR" altLang="en-US" smtClean="0"/>
-              <a:t>2025-09-17</a:t>
+              <a:t>2025-10-13</a:t>
             </a:fld>
             <a:endParaRPr lang="ko-KR" altLang="en-US"/>
           </a:p>
@@ -4305,7 +4305,7 @@
           <a:p>
             <a:fld id="{6C60E06C-93A1-47B3-80FF-174835BE09C3}" type="datetimeFigureOut">
               <a:rPr lang="ko-KR" altLang="en-US" smtClean="0"/>
-              <a:t>2025-09-17</a:t>
+              <a:t>2025-10-13</a:t>
             </a:fld>
             <a:endParaRPr lang="ko-KR" altLang="en-US"/>
           </a:p>
@@ -4717,7 +4717,7 @@
           <a:p>
             <a:fld id="{6C60E06C-93A1-47B3-80FF-174835BE09C3}" type="datetimeFigureOut">
               <a:rPr lang="ko-KR" altLang="en-US" smtClean="0"/>
-              <a:t>2025-09-17</a:t>
+              <a:t>2025-10-13</a:t>
             </a:fld>
             <a:endParaRPr lang="ko-KR" altLang="en-US"/>
           </a:p>
@@ -4858,7 +4858,7 @@
           <a:p>
             <a:fld id="{6C60E06C-93A1-47B3-80FF-174835BE09C3}" type="datetimeFigureOut">
               <a:rPr lang="ko-KR" altLang="en-US" smtClean="0"/>
-              <a:t>2025-09-17</a:t>
+              <a:t>2025-10-13</a:t>
             </a:fld>
             <a:endParaRPr lang="ko-KR" altLang="en-US"/>
           </a:p>
@@ -4971,7 +4971,7 @@
           <a:p>
             <a:fld id="{6C60E06C-93A1-47B3-80FF-174835BE09C3}" type="datetimeFigureOut">
               <a:rPr lang="ko-KR" altLang="en-US" smtClean="0"/>
-              <a:t>2025-09-17</a:t>
+              <a:t>2025-10-13</a:t>
             </a:fld>
             <a:endParaRPr lang="ko-KR" altLang="en-US"/>
           </a:p>
@@ -5282,7 +5282,7 @@
           <a:p>
             <a:fld id="{6C60E06C-93A1-47B3-80FF-174835BE09C3}" type="datetimeFigureOut">
               <a:rPr lang="ko-KR" altLang="en-US" smtClean="0"/>
-              <a:t>2025-09-17</a:t>
+              <a:t>2025-10-13</a:t>
             </a:fld>
             <a:endParaRPr lang="ko-KR" altLang="en-US"/>
           </a:p>
@@ -5464,7 +5464,7 @@
           <a:p>
             <a:fld id="{2301FE38-E79F-4AB1-AD23-A786496F1CB1}" type="datetimeFigureOut">
               <a:rPr lang="ko-KR" altLang="en-US" smtClean="0"/>
-              <a:t>2025-09-17</a:t>
+              <a:t>2025-10-13</a:t>
             </a:fld>
             <a:endParaRPr lang="ko-KR" altLang="en-US"/>
           </a:p>
@@ -5844,7 +5844,7 @@
           <a:p>
             <a:fld id="{6C60E06C-93A1-47B3-80FF-174835BE09C3}" type="datetimeFigureOut">
               <a:rPr lang="ko-KR" altLang="en-US" smtClean="0"/>
-              <a:t>2025-09-17</a:t>
+              <a:t>2025-10-13</a:t>
             </a:fld>
             <a:endParaRPr lang="ko-KR" altLang="en-US"/>
           </a:p>
@@ -6042,7 +6042,7 @@
           <a:p>
             <a:fld id="{6C60E06C-93A1-47B3-80FF-174835BE09C3}" type="datetimeFigureOut">
               <a:rPr lang="ko-KR" altLang="en-US" smtClean="0"/>
-              <a:t>2025-09-17</a:t>
+              <a:t>2025-10-13</a:t>
             </a:fld>
             <a:endParaRPr lang="ko-KR" altLang="en-US"/>
           </a:p>
@@ -6250,7 +6250,7 @@
           <a:p>
             <a:fld id="{6C60E06C-93A1-47B3-80FF-174835BE09C3}" type="datetimeFigureOut">
               <a:rPr lang="ko-KR" altLang="en-US" smtClean="0"/>
-              <a:t>2025-09-17</a:t>
+              <a:t>2025-10-13</a:t>
             </a:fld>
             <a:endParaRPr lang="ko-KR" altLang="en-US"/>
           </a:p>
@@ -6508,7 +6508,7 @@
           <a:p>
             <a:fld id="{2301FE38-E79F-4AB1-AD23-A786496F1CB1}" type="datetimeFigureOut">
               <a:rPr lang="ko-KR" altLang="en-US" smtClean="0"/>
-              <a:t>2025-09-17</a:t>
+              <a:t>2025-10-13</a:t>
             </a:fld>
             <a:endParaRPr lang="ko-KR" altLang="en-US"/>
           </a:p>
@@ -6740,7 +6740,7 @@
           <a:p>
             <a:fld id="{2301FE38-E79F-4AB1-AD23-A786496F1CB1}" type="datetimeFigureOut">
               <a:rPr lang="ko-KR" altLang="en-US" smtClean="0"/>
-              <a:t>2025-09-17</a:t>
+              <a:t>2025-10-13</a:t>
             </a:fld>
             <a:endParaRPr lang="ko-KR" altLang="en-US"/>
           </a:p>
@@ -7107,7 +7107,7 @@
           <a:p>
             <a:fld id="{2301FE38-E79F-4AB1-AD23-A786496F1CB1}" type="datetimeFigureOut">
               <a:rPr lang="ko-KR" altLang="en-US" smtClean="0"/>
-              <a:t>2025-09-17</a:t>
+              <a:t>2025-10-13</a:t>
             </a:fld>
             <a:endParaRPr lang="ko-KR" altLang="en-US"/>
           </a:p>
@@ -7225,7 +7225,7 @@
           <a:p>
             <a:fld id="{2301FE38-E79F-4AB1-AD23-A786496F1CB1}" type="datetimeFigureOut">
               <a:rPr lang="ko-KR" altLang="en-US" smtClean="0"/>
-              <a:t>2025-09-17</a:t>
+              <a:t>2025-10-13</a:t>
             </a:fld>
             <a:endParaRPr lang="ko-KR" altLang="en-US"/>
           </a:p>
@@ -7320,7 +7320,7 @@
           <a:p>
             <a:fld id="{2301FE38-E79F-4AB1-AD23-A786496F1CB1}" type="datetimeFigureOut">
               <a:rPr lang="ko-KR" altLang="en-US" smtClean="0"/>
-              <a:t>2025-09-17</a:t>
+              <a:t>2025-10-13</a:t>
             </a:fld>
             <a:endParaRPr lang="ko-KR" altLang="en-US"/>
           </a:p>
@@ -7597,7 +7597,7 @@
           <a:p>
             <a:fld id="{2301FE38-E79F-4AB1-AD23-A786496F1CB1}" type="datetimeFigureOut">
               <a:rPr lang="ko-KR" altLang="en-US" smtClean="0"/>
-              <a:t>2025-09-17</a:t>
+              <a:t>2025-10-13</a:t>
             </a:fld>
             <a:endParaRPr lang="ko-KR" altLang="en-US"/>
           </a:p>
@@ -7854,7 +7854,7 @@
           <a:p>
             <a:fld id="{2301FE38-E79F-4AB1-AD23-A786496F1CB1}" type="datetimeFigureOut">
               <a:rPr lang="ko-KR" altLang="en-US" smtClean="0"/>
-              <a:t>2025-09-17</a:t>
+              <a:t>2025-10-13</a:t>
             </a:fld>
             <a:endParaRPr lang="ko-KR" altLang="en-US"/>
           </a:p>
@@ -8067,7 +8067,7 @@
           <a:p>
             <a:fld id="{2301FE38-E79F-4AB1-AD23-A786496F1CB1}" type="datetimeFigureOut">
               <a:rPr lang="ko-KR" altLang="en-US" smtClean="0"/>
-              <a:t>2025-09-17</a:t>
+              <a:t>2025-10-13</a:t>
             </a:fld>
             <a:endParaRPr lang="ko-KR" altLang="en-US"/>
           </a:p>
@@ -8727,7 +8727,7 @@
           <a:p>
             <a:fld id="{6C60E06C-93A1-47B3-80FF-174835BE09C3}" type="datetimeFigureOut">
               <a:rPr lang="ko-KR" altLang="en-US" smtClean="0"/>
-              <a:t>2025-09-17</a:t>
+              <a:t>2025-10-13</a:t>
             </a:fld>
             <a:endParaRPr lang="ko-KR" altLang="en-US"/>
           </a:p>
@@ -17323,7 +17323,7 @@
         <p:spPr>
           <a:xfrm>
             <a:off x="5016000" y="1295403"/>
-            <a:ext cx="2160000" cy="4400547"/>
+            <a:ext cx="2160000" cy="5562597"/>
           </a:xfrm>
           <a:prstGeom prst="rect">
             <a:avLst/>
@@ -17381,7 +17381,7 @@
         <p:spPr>
           <a:xfrm>
             <a:off x="2796840" y="1295403"/>
-            <a:ext cx="2160000" cy="4400547"/>
+            <a:ext cx="2160000" cy="5562597"/>
           </a:xfrm>
           <a:prstGeom prst="rect">
             <a:avLst/>
@@ -17439,7 +17439,7 @@
         <p:spPr>
           <a:xfrm>
             <a:off x="577680" y="1295404"/>
-            <a:ext cx="2160000" cy="4400546"/>
+            <a:ext cx="2160000" cy="5562596"/>
           </a:xfrm>
           <a:prstGeom prst="rect">
             <a:avLst/>
@@ -17497,7 +17497,7 @@
         <p:spPr>
           <a:xfrm>
             <a:off x="7235160" y="1295403"/>
-            <a:ext cx="2160000" cy="4400547"/>
+            <a:ext cx="2160000" cy="5562597"/>
           </a:xfrm>
           <a:prstGeom prst="rect">
             <a:avLst/>
@@ -17555,7 +17555,7 @@
         <p:spPr>
           <a:xfrm>
             <a:off x="9454320" y="1295403"/>
-            <a:ext cx="2160000" cy="4400547"/>
+            <a:ext cx="2160000" cy="5562597"/>
           </a:xfrm>
           <a:prstGeom prst="rect">
             <a:avLst/>
@@ -17613,7 +17613,7 @@
         <p:spPr>
           <a:xfrm>
             <a:off x="613680" y="1332072"/>
-            <a:ext cx="2088000" cy="1539240"/>
+            <a:ext cx="2088000" cy="2516028"/>
           </a:xfrm>
           <a:prstGeom prst="rect">
             <a:avLst/>
@@ -17664,8 +17664,8 @@
         </p:nvSpPr>
         <p:spPr>
           <a:xfrm>
-            <a:off x="2832840" y="1332072"/>
-            <a:ext cx="2088000" cy="1539240"/>
+            <a:off x="2868840" y="1330127"/>
+            <a:ext cx="2088000" cy="2516028"/>
           </a:xfrm>
           <a:prstGeom prst="rect">
             <a:avLst/>
@@ -17717,7 +17717,7 @@
         <p:spPr>
           <a:xfrm>
             <a:off x="5052000" y="1332072"/>
-            <a:ext cx="2088000" cy="1539240"/>
+            <a:ext cx="2088000" cy="2516028"/>
           </a:xfrm>
           <a:prstGeom prst="rect">
             <a:avLst/>
@@ -17768,8 +17768,8 @@
         </p:nvSpPr>
         <p:spPr>
           <a:xfrm>
-            <a:off x="7271160" y="1332072"/>
-            <a:ext cx="2088000" cy="1539240"/>
+            <a:off x="7271160" y="1332071"/>
+            <a:ext cx="2088000" cy="2525465"/>
           </a:xfrm>
           <a:prstGeom prst="rect">
             <a:avLst/>
@@ -17821,7 +17821,7 @@
         <p:spPr>
           <a:xfrm>
             <a:off x="9490320" y="1332072"/>
-            <a:ext cx="2088000" cy="1539240"/>
+            <a:ext cx="2088000" cy="2516028"/>
           </a:xfrm>
           <a:prstGeom prst="rect">
             <a:avLst/>
@@ -17872,7 +17872,7 @@
         </p:nvSpPr>
         <p:spPr>
           <a:xfrm>
-            <a:off x="613680" y="2907984"/>
+            <a:off x="613680" y="3904390"/>
             <a:ext cx="2088000" cy="283368"/>
           </a:xfrm>
           <a:prstGeom prst="rect">
@@ -17970,7 +17970,7 @@
         </p:nvSpPr>
         <p:spPr>
           <a:xfrm>
-            <a:off x="2832840" y="2907984"/>
+            <a:off x="2832840" y="3904390"/>
             <a:ext cx="2088000" cy="283368"/>
           </a:xfrm>
           <a:prstGeom prst="rect">
@@ -18068,7 +18068,7 @@
         </p:nvSpPr>
         <p:spPr>
           <a:xfrm>
-            <a:off x="5052000" y="2907984"/>
+            <a:off x="5052000" y="3904390"/>
             <a:ext cx="2088000" cy="283368"/>
           </a:xfrm>
           <a:prstGeom prst="rect">
@@ -18103,7 +18103,7 @@
           <a:p>
             <a:pPr algn="ctr"/>
             <a:r>
-              <a:rPr lang="ko-KR" altLang="en-US" sz="1600">
+              <a:rPr lang="ko-KR" altLang="en-US" sz="1600" dirty="0">
                 <a:solidFill>
                   <a:srgbClr val="0052CC"/>
                 </a:solidFill>
@@ -18113,7 +18113,7 @@
               <a:t>문희성</a:t>
             </a:r>
             <a:r>
-              <a:rPr lang="en-US" altLang="ko-KR" sz="1600">
+              <a:rPr lang="en-US" altLang="ko-KR" sz="1600" dirty="0">
                 <a:solidFill>
                   <a:srgbClr val="0052CC"/>
                 </a:solidFill>
@@ -18123,7 +18123,7 @@
               <a:t>(</a:t>
             </a:r>
             <a:r>
-              <a:rPr lang="ko-KR" altLang="en-US" sz="1600">
+              <a:rPr lang="ko-KR" altLang="en-US" sz="1600" dirty="0" err="1">
                 <a:solidFill>
                   <a:srgbClr val="0052CC"/>
                 </a:solidFill>
@@ -18133,7 +18133,7 @@
               <a:t>백엔드</a:t>
             </a:r>
             <a:r>
-              <a:rPr lang="en-US" altLang="ko-KR" sz="1600">
+              <a:rPr lang="en-US" altLang="ko-KR" sz="1600" dirty="0">
                 <a:solidFill>
                   <a:srgbClr val="0052CC"/>
                 </a:solidFill>
@@ -18142,7 +18142,7 @@
               </a:rPr>
               <a:t>)</a:t>
             </a:r>
-            <a:endParaRPr lang="ko-KR" altLang="en-US" sz="1600">
+            <a:endParaRPr lang="ko-KR" altLang="en-US" sz="1600" dirty="0">
               <a:solidFill>
                 <a:srgbClr val="0052CC"/>
               </a:solidFill>
@@ -18166,7 +18166,7 @@
         </p:nvSpPr>
         <p:spPr>
           <a:xfrm>
-            <a:off x="7271160" y="2907984"/>
+            <a:off x="7271160" y="3904390"/>
             <a:ext cx="2088000" cy="283368"/>
           </a:xfrm>
           <a:prstGeom prst="rect">
@@ -18201,7 +18201,7 @@
           <a:p>
             <a:pPr algn="ctr"/>
             <a:r>
-              <a:rPr lang="ko-KR" altLang="en-US" sz="1600">
+              <a:rPr lang="ko-KR" altLang="en-US" sz="1600" dirty="0">
                 <a:solidFill>
                   <a:srgbClr val="0052CC"/>
                 </a:solidFill>
@@ -18211,7 +18211,7 @@
               <a:t>강민서</a:t>
             </a:r>
             <a:r>
-              <a:rPr lang="en-US" altLang="ko-KR" sz="1600">
+              <a:rPr lang="en-US" altLang="ko-KR" sz="1600" dirty="0">
                 <a:solidFill>
                   <a:srgbClr val="0052CC"/>
                 </a:solidFill>
@@ -18221,7 +18221,7 @@
               <a:t>(</a:t>
             </a:r>
             <a:r>
-              <a:rPr lang="ko-KR" altLang="en-US" sz="1600">
+              <a:rPr lang="ko-KR" altLang="en-US" sz="1600" dirty="0">
                 <a:solidFill>
                   <a:srgbClr val="0052CC"/>
                 </a:solidFill>
@@ -18231,7 +18231,7 @@
               <a:t>프론트</a:t>
             </a:r>
             <a:r>
-              <a:rPr lang="en-US" altLang="ko-KR" sz="1600">
+              <a:rPr lang="en-US" altLang="ko-KR" sz="1600" dirty="0">
                 <a:solidFill>
                   <a:srgbClr val="0052CC"/>
                 </a:solidFill>
@@ -18240,7 +18240,7 @@
               </a:rPr>
               <a:t>)</a:t>
             </a:r>
-            <a:endParaRPr lang="ko-KR" altLang="en-US" sz="1600">
+            <a:endParaRPr lang="ko-KR" altLang="en-US" sz="1600" dirty="0">
               <a:solidFill>
                 <a:srgbClr val="0052CC"/>
               </a:solidFill>
@@ -18264,7 +18264,7 @@
         </p:nvSpPr>
         <p:spPr>
           <a:xfrm>
-            <a:off x="9490320" y="2907984"/>
+            <a:off x="9490320" y="3904390"/>
             <a:ext cx="2088000" cy="283368"/>
           </a:xfrm>
           <a:prstGeom prst="rect">
@@ -18299,7 +18299,7 @@
           <a:p>
             <a:pPr algn="ctr"/>
             <a:r>
-              <a:rPr lang="ko-KR" altLang="en-US" sz="1600">
+              <a:rPr lang="ko-KR" altLang="en-US" sz="1600" dirty="0" err="1">
                 <a:solidFill>
                   <a:srgbClr val="0052CC"/>
                 </a:solidFill>
@@ -18309,7 +18309,7 @@
               <a:t>강성빈</a:t>
             </a:r>
             <a:r>
-              <a:rPr lang="en-US" altLang="ko-KR" sz="1600">
+              <a:rPr lang="en-US" altLang="ko-KR" sz="1600" dirty="0">
                 <a:solidFill>
                   <a:srgbClr val="0052CC"/>
                 </a:solidFill>
@@ -18319,7 +18319,7 @@
               <a:t>(</a:t>
             </a:r>
             <a:r>
-              <a:rPr lang="ko-KR" altLang="en-US" sz="1600">
+              <a:rPr lang="ko-KR" altLang="en-US" sz="1600" dirty="0" err="1">
                 <a:solidFill>
                   <a:srgbClr val="0052CC"/>
                 </a:solidFill>
@@ -18329,7 +18329,7 @@
               <a:t>머신러닝</a:t>
             </a:r>
             <a:r>
-              <a:rPr lang="en-US" altLang="ko-KR" sz="1600">
+              <a:rPr lang="en-US" altLang="ko-KR" sz="1600" dirty="0">
                 <a:solidFill>
                   <a:srgbClr val="0052CC"/>
                 </a:solidFill>
@@ -18338,7 +18338,7 @@
               </a:rPr>
               <a:t>)</a:t>
             </a:r>
-            <a:endParaRPr lang="ko-KR" altLang="en-US" sz="1600">
+            <a:endParaRPr lang="ko-KR" altLang="en-US" sz="1600" dirty="0">
               <a:solidFill>
                 <a:srgbClr val="0052CC"/>
               </a:solidFill>
@@ -18362,8 +18362,8 @@
         </p:nvSpPr>
         <p:spPr>
           <a:xfrm>
-            <a:off x="613680" y="3511392"/>
-            <a:ext cx="2088000" cy="2147612"/>
+            <a:off x="613680" y="4582798"/>
+            <a:ext cx="2088000" cy="2230748"/>
           </a:xfrm>
           <a:prstGeom prst="rect">
             <a:avLst/>
@@ -18396,7 +18396,7 @@
           <a:lstStyle/>
           <a:p>
             <a:r>
-              <a:rPr lang="ko-KR" altLang="en-US" sz="1000">
+              <a:rPr lang="ko-KR" altLang="en-US" sz="1000" dirty="0">
                 <a:solidFill>
                   <a:srgbClr val="0052CC"/>
                 </a:solidFill>
@@ -18406,7 +18406,7 @@
               <a:t> </a:t>
             </a:r>
             <a:r>
-              <a:rPr lang="en-US" altLang="ko-KR" sz="1000">
+              <a:rPr lang="en-US" altLang="ko-KR" sz="1000" dirty="0">
                 <a:solidFill>
                   <a:srgbClr val="0052CC"/>
                 </a:solidFill>
@@ -18416,7 +18416,7 @@
               <a:t>1) </a:t>
             </a:r>
             <a:r>
-              <a:rPr lang="ko-KR" altLang="en-US" sz="1000">
+              <a:rPr lang="ko-KR" altLang="en-US" sz="1000" dirty="0">
                 <a:solidFill>
                   <a:srgbClr val="0052CC"/>
                 </a:solidFill>
@@ -18425,7 +18425,7 @@
               </a:rPr>
               <a:t>프로젝트 총괄 및 일정관리</a:t>
             </a:r>
-            <a:endParaRPr lang="en-US" altLang="ko-KR" sz="1000">
+            <a:endParaRPr lang="en-US" altLang="ko-KR" sz="1000" dirty="0">
               <a:solidFill>
                 <a:srgbClr val="0052CC"/>
               </a:solidFill>
@@ -18434,7 +18434,7 @@
             </a:endParaRPr>
           </a:p>
           <a:p>
-            <a:endParaRPr lang="ko-KR" altLang="en-US" sz="1000">
+            <a:endParaRPr lang="ko-KR" altLang="en-US" sz="1000" dirty="0">
               <a:solidFill>
                 <a:srgbClr val="0052CC"/>
               </a:solidFill>
@@ -18444,7 +18444,7 @@
           </a:p>
           <a:p>
             <a:r>
-              <a:rPr lang="ko-KR" altLang="en-US" sz="1000">
+              <a:rPr lang="ko-KR" altLang="en-US" sz="1000" dirty="0">
                 <a:solidFill>
                   <a:srgbClr val="0052CC"/>
                 </a:solidFill>
@@ -18454,7 +18454,7 @@
               <a:t> </a:t>
             </a:r>
             <a:r>
-              <a:rPr lang="en-US" altLang="ko-KR" sz="1000">
+              <a:rPr lang="en-US" altLang="ko-KR" sz="1000" dirty="0">
                 <a:solidFill>
                   <a:srgbClr val="0052CC"/>
                 </a:solidFill>
@@ -18464,7 +18464,7 @@
               <a:t>2) </a:t>
             </a:r>
             <a:r>
-              <a:rPr lang="ko-KR" altLang="en-US" sz="1000">
+              <a:rPr lang="ko-KR" altLang="en-US" sz="1000" dirty="0">
                 <a:solidFill>
                   <a:srgbClr val="0052CC"/>
                 </a:solidFill>
@@ -18473,7 +18473,7 @@
               </a:rPr>
               <a:t>회의 진행 및 산출물 검토</a:t>
             </a:r>
-            <a:endParaRPr lang="en-US" altLang="ko-KR" sz="1000">
+            <a:endParaRPr lang="en-US" altLang="ko-KR" sz="1000" dirty="0">
               <a:solidFill>
                 <a:srgbClr val="0052CC"/>
               </a:solidFill>
@@ -18482,7 +18482,7 @@
             </a:endParaRPr>
           </a:p>
           <a:p>
-            <a:endParaRPr lang="ko-KR" altLang="en-US" sz="1000">
+            <a:endParaRPr lang="ko-KR" altLang="en-US" sz="1000" dirty="0">
               <a:solidFill>
                 <a:srgbClr val="0052CC"/>
               </a:solidFill>
@@ -18492,7 +18492,7 @@
           </a:p>
           <a:p>
             <a:r>
-              <a:rPr lang="ko-KR" altLang="en-US" sz="1000">
+              <a:rPr lang="ko-KR" altLang="en-US" sz="1000" dirty="0">
                 <a:solidFill>
                   <a:srgbClr val="0052CC"/>
                 </a:solidFill>
@@ -18502,7 +18502,7 @@
               <a:t> </a:t>
             </a:r>
             <a:r>
-              <a:rPr lang="en-US" altLang="ko-KR" sz="1000">
+              <a:rPr lang="en-US" altLang="ko-KR" sz="1000" dirty="0">
                 <a:solidFill>
                   <a:srgbClr val="0052CC"/>
                 </a:solidFill>
@@ -18512,7 +18512,7 @@
               <a:t>3) RPA </a:t>
             </a:r>
             <a:r>
-              <a:rPr lang="ko-KR" altLang="en-US" sz="1000">
+              <a:rPr lang="ko-KR" altLang="en-US" sz="1000" dirty="0">
                 <a:solidFill>
                   <a:srgbClr val="0052CC"/>
                 </a:solidFill>
@@ -18522,7 +18522,7 @@
               <a:t>프로세스 개발</a:t>
             </a:r>
             <a:r>
-              <a:rPr lang="en-US" altLang="ko-KR" sz="1000">
+              <a:rPr lang="en-US" altLang="ko-KR" sz="1000" dirty="0">
                 <a:solidFill>
                   <a:srgbClr val="0052CC"/>
                 </a:solidFill>
@@ -18532,7 +18532,7 @@
               <a:t>(</a:t>
             </a:r>
             <a:r>
-              <a:rPr lang="ko-KR" altLang="en-US" sz="1000">
+              <a:rPr lang="ko-KR" altLang="en-US" sz="1000" dirty="0">
                 <a:solidFill>
                   <a:srgbClr val="0052CC"/>
                 </a:solidFill>
@@ -18542,7 +18542,7 @@
               <a:t>업무 자동화 시나리오 작성 및 구현</a:t>
             </a:r>
             <a:r>
-              <a:rPr lang="en-US" altLang="ko-KR" sz="1000">
+              <a:rPr lang="en-US" altLang="ko-KR" sz="1000" dirty="0">
                 <a:solidFill>
                   <a:srgbClr val="0052CC"/>
                 </a:solidFill>
@@ -18553,7 +18553,7 @@
             </a:r>
           </a:p>
           <a:p>
-            <a:endParaRPr lang="en-US" altLang="ko-KR" sz="1000">
+            <a:endParaRPr lang="en-US" altLang="ko-KR" sz="1000" dirty="0">
               <a:solidFill>
                 <a:srgbClr val="0052CC"/>
               </a:solidFill>
@@ -18563,7 +18563,7 @@
           </a:p>
           <a:p>
             <a:r>
-              <a:rPr lang="en-US" altLang="ko-KR" sz="1000">
+              <a:rPr lang="en-US" altLang="ko-KR" sz="1000" dirty="0">
                 <a:solidFill>
                   <a:srgbClr val="0052CC"/>
                 </a:solidFill>
@@ -18573,7 +18573,7 @@
               <a:t>4) </a:t>
             </a:r>
             <a:r>
-              <a:rPr lang="ko-KR" altLang="en-US" sz="1000">
+              <a:rPr lang="ko-KR" altLang="en-US" sz="1000" dirty="0">
                 <a:solidFill>
                   <a:srgbClr val="0052CC"/>
                 </a:solidFill>
@@ -18583,7 +18583,7 @@
               <a:t>팀원 간 협업 관리</a:t>
             </a:r>
             <a:r>
-              <a:rPr lang="en-US" altLang="ko-KR" sz="1000">
+              <a:rPr lang="en-US" altLang="ko-KR" sz="1000" dirty="0">
                 <a:solidFill>
                   <a:srgbClr val="0052CC"/>
                 </a:solidFill>
@@ -18595,7 +18595,7 @@
           </a:p>
           <a:p>
             <a:pPr algn="ctr"/>
-            <a:endParaRPr lang="ko-KR" altLang="en-US" sz="1200">
+            <a:endParaRPr lang="ko-KR" altLang="en-US" sz="1200" dirty="0">
               <a:solidFill>
                 <a:srgbClr val="0052CC"/>
               </a:solidFill>
@@ -18619,7 +18619,7 @@
         </p:nvSpPr>
         <p:spPr>
           <a:xfrm>
-            <a:off x="613680" y="3228024"/>
+            <a:off x="613680" y="4243594"/>
             <a:ext cx="2088000" cy="283368"/>
           </a:xfrm>
           <a:prstGeom prst="rect">
@@ -18680,7 +18680,7 @@
         </p:nvSpPr>
         <p:spPr>
           <a:xfrm>
-            <a:off x="2832840" y="3228024"/>
+            <a:off x="2832840" y="4243594"/>
             <a:ext cx="2088000" cy="283368"/>
           </a:xfrm>
           <a:prstGeom prst="rect">
@@ -18715,7 +18715,7 @@
           <a:p>
             <a:pPr algn="ctr"/>
             <a:r>
-              <a:rPr lang="ko-KR" altLang="en-US" sz="1600">
+              <a:rPr lang="ko-KR" altLang="en-US" sz="1600" dirty="0">
                 <a:solidFill>
                   <a:srgbClr val="0052CC"/>
                 </a:solidFill>
@@ -18741,7 +18741,7 @@
         </p:nvSpPr>
         <p:spPr>
           <a:xfrm>
-            <a:off x="5052000" y="3228024"/>
+            <a:off x="5052000" y="4243594"/>
             <a:ext cx="2088000" cy="283368"/>
           </a:xfrm>
           <a:prstGeom prst="rect">
@@ -18802,7 +18802,7 @@
         </p:nvSpPr>
         <p:spPr>
           <a:xfrm>
-            <a:off x="7271160" y="3230680"/>
+            <a:off x="7271160" y="4243594"/>
             <a:ext cx="2088000" cy="283368"/>
           </a:xfrm>
           <a:prstGeom prst="rect">
@@ -18863,7 +18863,7 @@
         </p:nvSpPr>
         <p:spPr>
           <a:xfrm>
-            <a:off x="9490320" y="3228024"/>
+            <a:off x="9490320" y="4243594"/>
             <a:ext cx="2088000" cy="283368"/>
           </a:xfrm>
           <a:prstGeom prst="rect">
@@ -18898,7 +18898,7 @@
           <a:p>
             <a:pPr algn="ctr"/>
             <a:r>
-              <a:rPr lang="ko-KR" altLang="en-US" sz="1600">
+              <a:rPr lang="ko-KR" altLang="en-US" sz="1600" dirty="0">
                 <a:solidFill>
                   <a:srgbClr val="0052CC"/>
                 </a:solidFill>
@@ -18924,8 +18924,8 @@
         </p:nvSpPr>
         <p:spPr>
           <a:xfrm>
-            <a:off x="2832840" y="3511392"/>
-            <a:ext cx="2088000" cy="2147612"/>
+            <a:off x="2832840" y="4582798"/>
+            <a:ext cx="2088000" cy="2230748"/>
           </a:xfrm>
           <a:prstGeom prst="rect">
             <a:avLst/>
@@ -18958,7 +18958,7 @@
           <a:lstStyle/>
           <a:p>
             <a:r>
-              <a:rPr lang="en-US" altLang="ko-KR" sz="1000">
+              <a:rPr lang="en-US" altLang="ko-KR" sz="1000" dirty="0">
                 <a:solidFill>
                   <a:srgbClr val="0052CC"/>
                 </a:solidFill>
@@ -18968,7 +18968,7 @@
               <a:t>1) </a:t>
             </a:r>
             <a:r>
-              <a:rPr lang="ko-KR" altLang="en-US" sz="1000">
+              <a:rPr lang="ko-KR" altLang="en-US" sz="1000" dirty="0">
                 <a:solidFill>
                   <a:srgbClr val="0052CC"/>
                 </a:solidFill>
@@ -18978,7 +18978,7 @@
               <a:t>서버</a:t>
             </a:r>
             <a:r>
-              <a:rPr lang="en-US" altLang="ko-KR" sz="1000">
+              <a:rPr lang="en-US" altLang="ko-KR" sz="1000" dirty="0">
                 <a:solidFill>
                   <a:srgbClr val="0052CC"/>
                 </a:solidFill>
@@ -18988,7 +18988,7 @@
               <a:t>,DB</a:t>
             </a:r>
             <a:r>
-              <a:rPr lang="ko-KR" altLang="en-US" sz="1000">
+              <a:rPr lang="ko-KR" altLang="en-US" sz="1000" dirty="0">
                 <a:solidFill>
                   <a:srgbClr val="0052CC"/>
                 </a:solidFill>
@@ -18999,7 +18999,7 @@
             </a:r>
           </a:p>
           <a:p>
-            <a:endParaRPr lang="en-US" altLang="ko-KR" sz="1000">
+            <a:endParaRPr lang="en-US" altLang="ko-KR" sz="1000" dirty="0">
               <a:solidFill>
                 <a:srgbClr val="0052CC"/>
               </a:solidFill>
@@ -19009,7 +19009,7 @@
           </a:p>
           <a:p>
             <a:r>
-              <a:rPr lang="en-US" altLang="ko-KR" sz="1000">
+              <a:rPr lang="en-US" altLang="ko-KR" sz="1000" dirty="0">
                 <a:solidFill>
                   <a:srgbClr val="0052CC"/>
                 </a:solidFill>
@@ -19019,7 +19019,7 @@
               <a:t>2) REST API </a:t>
             </a:r>
             <a:r>
-              <a:rPr lang="ko-KR" altLang="en-US" sz="1000">
+              <a:rPr lang="ko-KR" altLang="en-US" sz="1000" dirty="0">
                 <a:solidFill>
                   <a:srgbClr val="0052CC"/>
                 </a:solidFill>
@@ -19029,7 +19029,7 @@
               <a:t>설계 및 구현</a:t>
             </a:r>
             <a:r>
-              <a:rPr lang="en-US" altLang="ko-KR" sz="1000">
+              <a:rPr lang="en-US" altLang="ko-KR" sz="1000" dirty="0">
                 <a:solidFill>
                   <a:srgbClr val="0052CC"/>
                 </a:solidFill>
@@ -19039,7 +19039,7 @@
               <a:t>(Controller, Service, Repository </a:t>
             </a:r>
             <a:r>
-              <a:rPr lang="ko-KR" altLang="en-US" sz="1000">
+              <a:rPr lang="ko-KR" altLang="en-US" sz="1000" dirty="0">
                 <a:solidFill>
                   <a:srgbClr val="0052CC"/>
                 </a:solidFill>
@@ -19049,7 +19049,7 @@
               <a:t>계층 활용</a:t>
             </a:r>
             <a:r>
-              <a:rPr lang="en-US" altLang="ko-KR" sz="1000">
+              <a:rPr lang="en-US" altLang="ko-KR" sz="1000" dirty="0">
                 <a:solidFill>
                   <a:srgbClr val="0052CC"/>
                 </a:solidFill>
@@ -19061,7 +19061,7 @@
           </a:p>
           <a:p>
             <a:r>
-              <a:rPr lang="en-US" altLang="ko-KR" sz="1000">
+              <a:rPr lang="en-US" altLang="ko-KR" sz="1000" dirty="0">
                 <a:solidFill>
                   <a:srgbClr val="0052CC"/>
                 </a:solidFill>
@@ -19073,7 +19073,7 @@
           </a:p>
           <a:p>
             <a:r>
-              <a:rPr lang="en-US" altLang="ko-KR" sz="1000">
+              <a:rPr lang="en-US" altLang="ko-KR" sz="1000" dirty="0">
                 <a:solidFill>
                   <a:srgbClr val="0052CC"/>
                 </a:solidFill>
@@ -19083,7 +19083,7 @@
               <a:t>3) </a:t>
             </a:r>
             <a:r>
-              <a:rPr lang="ko-KR" altLang="en-US" sz="1000">
+              <a:rPr lang="ko-KR" altLang="en-US" sz="1000" dirty="0">
                 <a:solidFill>
                   <a:srgbClr val="0052CC"/>
                 </a:solidFill>
@@ -19093,7 +19093,7 @@
               <a:t>데이터 처리 로직 구현</a:t>
             </a:r>
             <a:r>
-              <a:rPr lang="en-US" altLang="ko-KR" sz="1000">
+              <a:rPr lang="en-US" altLang="ko-KR" sz="1000" dirty="0">
                 <a:solidFill>
                   <a:srgbClr val="0052CC"/>
                 </a:solidFill>
@@ -19103,7 +19103,7 @@
               <a:t>(CRUD </a:t>
             </a:r>
             <a:r>
-              <a:rPr lang="ko-KR" altLang="en-US" sz="1000">
+              <a:rPr lang="ko-KR" altLang="en-US" sz="1000" dirty="0">
                 <a:solidFill>
                   <a:srgbClr val="0052CC"/>
                 </a:solidFill>
@@ -19113,7 +19113,7 @@
               <a:t>기능 중심</a:t>
             </a:r>
             <a:r>
-              <a:rPr lang="en-US" altLang="ko-KR" sz="1000">
+              <a:rPr lang="en-US" altLang="ko-KR" sz="1000" dirty="0">
                 <a:solidFill>
                   <a:srgbClr val="0052CC"/>
                 </a:solidFill>
@@ -19124,7 +19124,7 @@
             </a:r>
           </a:p>
           <a:p>
-            <a:endParaRPr lang="en-US" altLang="ko-KR" sz="1000">
+            <a:endParaRPr lang="en-US" altLang="ko-KR" sz="1000" dirty="0">
               <a:solidFill>
                 <a:srgbClr val="0052CC"/>
               </a:solidFill>
@@ -19134,7 +19134,7 @@
           </a:p>
           <a:p>
             <a:r>
-              <a:rPr lang="en-US" altLang="ko-KR" sz="1000">
+              <a:rPr lang="en-US" altLang="ko-KR" sz="1000" dirty="0">
                 <a:solidFill>
                   <a:srgbClr val="0052CC"/>
                 </a:solidFill>
@@ -19144,7 +19144,7 @@
               <a:t>4) </a:t>
             </a:r>
             <a:r>
-              <a:rPr lang="ko-KR" altLang="en-US" sz="1000">
+              <a:rPr lang="ko-KR" altLang="en-US" sz="1000" dirty="0">
                 <a:solidFill>
                   <a:srgbClr val="0052CC"/>
                 </a:solidFill>
@@ -19154,7 +19154,7 @@
               <a:t>보안 및 인증</a:t>
             </a:r>
             <a:r>
-              <a:rPr lang="en-US" altLang="ko-KR" sz="1000">
+              <a:rPr lang="en-US" altLang="ko-KR" sz="1000" dirty="0">
                 <a:solidFill>
                   <a:srgbClr val="0052CC"/>
                 </a:solidFill>
@@ -19164,7 +19164,7 @@
               <a:t>(</a:t>
             </a:r>
             <a:r>
-              <a:rPr lang="ko-KR" altLang="en-US" sz="1000">
+              <a:rPr lang="ko-KR" altLang="en-US" sz="1000" dirty="0">
                 <a:solidFill>
                   <a:srgbClr val="0052CC"/>
                 </a:solidFill>
@@ -19174,7 +19174,7 @@
               <a:t>로그인</a:t>
             </a:r>
             <a:r>
-              <a:rPr lang="en-US" altLang="ko-KR" sz="1000">
+              <a:rPr lang="en-US" altLang="ko-KR" sz="1000" dirty="0">
                 <a:solidFill>
                   <a:srgbClr val="0052CC"/>
                 </a:solidFill>
@@ -19184,7 +19184,7 @@
               <a:t>/</a:t>
             </a:r>
             <a:r>
-              <a:rPr lang="ko-KR" altLang="en-US" sz="1000">
+              <a:rPr lang="ko-KR" altLang="en-US" sz="1000" dirty="0">
                 <a:solidFill>
                   <a:srgbClr val="0052CC"/>
                 </a:solidFill>
@@ -19194,7 +19194,7 @@
               <a:t>권한 관리</a:t>
             </a:r>
             <a:r>
-              <a:rPr lang="en-US" altLang="ko-KR" sz="1000">
+              <a:rPr lang="en-US" altLang="ko-KR" sz="1000" dirty="0">
                 <a:solidFill>
                   <a:srgbClr val="0052CC"/>
                 </a:solidFill>
@@ -19204,7 +19204,7 @@
               <a:t>) </a:t>
             </a:r>
             <a:r>
-              <a:rPr lang="ko-KR" altLang="en-US" sz="1000">
+              <a:rPr lang="ko-KR" altLang="en-US" sz="1000" dirty="0">
                 <a:solidFill>
                   <a:srgbClr val="0052CC"/>
                 </a:solidFill>
@@ -19216,7 +19216,7 @@
           </a:p>
           <a:p>
             <a:pPr algn="ctr"/>
-            <a:endParaRPr lang="ko-KR" altLang="en-US" sz="1200">
+            <a:endParaRPr lang="ko-KR" altLang="en-US" sz="1200" dirty="0">
               <a:solidFill>
                 <a:srgbClr val="0052CC"/>
               </a:solidFill>
@@ -19240,8 +19240,8 @@
         </p:nvSpPr>
         <p:spPr>
           <a:xfrm>
-            <a:off x="5052000" y="3511392"/>
-            <a:ext cx="2088000" cy="2147612"/>
+            <a:off x="5052000" y="4582798"/>
+            <a:ext cx="2088000" cy="2230748"/>
           </a:xfrm>
           <a:prstGeom prst="rect">
             <a:avLst/>
@@ -19274,7 +19274,7 @@
           <a:lstStyle/>
           <a:p>
             <a:r>
-              <a:rPr lang="ko-KR" altLang="en-US" sz="1000">
+              <a:rPr lang="ko-KR" altLang="en-US" sz="1000" dirty="0">
                 <a:solidFill>
                   <a:srgbClr val="0052CC"/>
                 </a:solidFill>
@@ -19284,7 +19284,7 @@
               <a:t> </a:t>
             </a:r>
             <a:r>
-              <a:rPr lang="en-US" altLang="ko-KR" sz="1000">
+              <a:rPr lang="en-US" altLang="ko-KR" sz="1000" dirty="0">
                 <a:solidFill>
                   <a:srgbClr val="0052CC"/>
                 </a:solidFill>
@@ -19294,7 +19294,7 @@
               <a:t>1) DB </a:t>
             </a:r>
             <a:r>
-              <a:rPr lang="ko-KR" altLang="en-US" sz="1000">
+              <a:rPr lang="ko-KR" altLang="en-US" sz="1000" dirty="0">
                 <a:solidFill>
                   <a:srgbClr val="0052CC"/>
                 </a:solidFill>
@@ -19304,7 +19304,7 @@
               <a:t>설계 및 최적화</a:t>
             </a:r>
             <a:r>
-              <a:rPr lang="en-US" altLang="ko-KR" sz="1000">
+              <a:rPr lang="en-US" altLang="ko-KR" sz="1000" dirty="0">
                 <a:solidFill>
                   <a:srgbClr val="0052CC"/>
                 </a:solidFill>
@@ -19314,7 +19314,7 @@
               <a:t>(ERD, </a:t>
             </a:r>
             <a:r>
-              <a:rPr lang="ko-KR" altLang="en-US" sz="1000">
+              <a:rPr lang="ko-KR" altLang="en-US" sz="1000" dirty="0">
                 <a:solidFill>
                   <a:srgbClr val="0052CC"/>
                 </a:solidFill>
@@ -19324,7 +19324,7 @@
               <a:t>쿼리 작성</a:t>
             </a:r>
             <a:r>
-              <a:rPr lang="en-US" altLang="ko-KR" sz="1000">
+              <a:rPr lang="en-US" altLang="ko-KR" sz="1000" dirty="0">
                 <a:solidFill>
                   <a:srgbClr val="0052CC"/>
                 </a:solidFill>
@@ -19335,7 +19335,7 @@
             </a:r>
           </a:p>
           <a:p>
-            <a:endParaRPr lang="en-US" altLang="ko-KR" sz="1000">
+            <a:endParaRPr lang="en-US" altLang="ko-KR" sz="1000" dirty="0">
               <a:solidFill>
                 <a:srgbClr val="0052CC"/>
               </a:solidFill>
@@ -19345,7 +19345,7 @@
           </a:p>
           <a:p>
             <a:r>
-              <a:rPr lang="en-US" altLang="ko-KR" sz="1000">
+              <a:rPr lang="en-US" altLang="ko-KR" sz="1000" dirty="0">
                 <a:solidFill>
                   <a:srgbClr val="0052CC"/>
                 </a:solidFill>
@@ -19355,7 +19355,7 @@
               <a:t>2) </a:t>
             </a:r>
             <a:r>
-              <a:rPr lang="ko-KR" altLang="en-US" sz="1000">
+              <a:rPr lang="ko-KR" altLang="en-US" sz="1000" dirty="0">
                 <a:solidFill>
                   <a:srgbClr val="0052CC"/>
                 </a:solidFill>
@@ -19365,7 +19365,7 @@
               <a:t>외부 </a:t>
             </a:r>
             <a:r>
-              <a:rPr lang="en-US" altLang="ko-KR" sz="1000">
+              <a:rPr lang="en-US" altLang="ko-KR" sz="1000" dirty="0">
                 <a:solidFill>
                   <a:srgbClr val="0052CC"/>
                 </a:solidFill>
@@ -19375,7 +19375,7 @@
               <a:t>API </a:t>
             </a:r>
             <a:r>
-              <a:rPr lang="ko-KR" altLang="en-US" sz="1000">
+              <a:rPr lang="ko-KR" altLang="en-US" sz="1000" dirty="0">
                 <a:solidFill>
                   <a:srgbClr val="0052CC"/>
                 </a:solidFill>
@@ -19385,7 +19385,7 @@
               <a:t>연동</a:t>
             </a:r>
             <a:r>
-              <a:rPr lang="en-US" altLang="ko-KR" sz="1000">
+              <a:rPr lang="en-US" altLang="ko-KR" sz="1000" dirty="0">
                 <a:solidFill>
                   <a:srgbClr val="0052CC"/>
                 </a:solidFill>
@@ -19395,7 +19395,7 @@
               <a:t>(</a:t>
             </a:r>
             <a:r>
-              <a:rPr lang="ko-KR" altLang="en-US" sz="1000">
+              <a:rPr lang="ko-KR" altLang="en-US" sz="1000" dirty="0">
                 <a:solidFill>
                   <a:srgbClr val="0052CC"/>
                 </a:solidFill>
@@ -19405,7 +19405,7 @@
               <a:t>공공데이터</a:t>
             </a:r>
             <a:r>
-              <a:rPr lang="en-US" altLang="ko-KR" sz="1000">
+              <a:rPr lang="en-US" altLang="ko-KR" sz="1000" dirty="0">
                 <a:solidFill>
                   <a:srgbClr val="0052CC"/>
                 </a:solidFill>
@@ -19415,7 +19415,7 @@
               <a:t>, Dart API</a:t>
             </a:r>
             <a:r>
-              <a:rPr lang="ko-KR" altLang="en-US" sz="1000">
+              <a:rPr lang="ko-KR" altLang="en-US" sz="1000" dirty="0">
                 <a:solidFill>
                   <a:srgbClr val="0052CC"/>
                 </a:solidFill>
@@ -19425,7 +19425,7 @@
               <a:t>등</a:t>
             </a:r>
             <a:r>
-              <a:rPr lang="en-US" altLang="ko-KR" sz="1000">
+              <a:rPr lang="en-US" altLang="ko-KR" sz="1000" dirty="0">
                 <a:solidFill>
                   <a:srgbClr val="0052CC"/>
                 </a:solidFill>
@@ -19436,7 +19436,7 @@
             </a:r>
           </a:p>
           <a:p>
-            <a:endParaRPr lang="en-US" altLang="ko-KR" sz="1000">
+            <a:endParaRPr lang="en-US" altLang="ko-KR" sz="1000" dirty="0">
               <a:solidFill>
                 <a:srgbClr val="0052CC"/>
               </a:solidFill>
@@ -19446,7 +19446,7 @@
           </a:p>
           <a:p>
             <a:r>
-              <a:rPr lang="en-US" altLang="ko-KR" sz="1000">
+              <a:rPr lang="en-US" altLang="ko-KR" sz="1000" dirty="0">
                 <a:solidFill>
                   <a:srgbClr val="0052CC"/>
                 </a:solidFill>
@@ -19456,7 +19456,7 @@
               <a:t>3) </a:t>
             </a:r>
             <a:r>
-              <a:rPr lang="ko-KR" altLang="en-US" sz="1000">
+              <a:rPr lang="ko-KR" altLang="en-US" sz="1000" dirty="0">
                 <a:solidFill>
                   <a:srgbClr val="0052CC"/>
                 </a:solidFill>
@@ -19468,7 +19468,7 @@
           </a:p>
           <a:p>
             <a:r>
-              <a:rPr lang="en-US" altLang="ko-KR" sz="1000">
+              <a:rPr lang="en-US" altLang="ko-KR" sz="1000" dirty="0">
                 <a:solidFill>
                   <a:srgbClr val="0052CC"/>
                 </a:solidFill>
@@ -19478,7 +19478,7 @@
               <a:t>(</a:t>
             </a:r>
             <a:r>
-              <a:rPr lang="ko-KR" altLang="en-US" sz="1000">
+              <a:rPr lang="ko-KR" altLang="en-US" sz="1000" dirty="0">
                 <a:solidFill>
                   <a:srgbClr val="0052CC"/>
                 </a:solidFill>
@@ -19488,7 +19488,7 @@
               <a:t>테스트</a:t>
             </a:r>
             <a:r>
-              <a:rPr lang="en-US" altLang="ko-KR" sz="1000">
+              <a:rPr lang="en-US" altLang="ko-KR" sz="1000" dirty="0">
                 <a:solidFill>
                   <a:srgbClr val="0052CC"/>
                 </a:solidFill>
@@ -19498,7 +19498,7 @@
               <a:t>/</a:t>
             </a:r>
             <a:r>
-              <a:rPr lang="ko-KR" altLang="en-US" sz="1000">
+              <a:rPr lang="ko-KR" altLang="en-US" sz="1000" dirty="0">
                 <a:solidFill>
                   <a:srgbClr val="0052CC"/>
                 </a:solidFill>
@@ -19508,7 +19508,7 @@
               <a:t>운영용 데이터 수천 건 직접 입력 및 검증</a:t>
             </a:r>
             <a:r>
-              <a:rPr lang="en-US" altLang="ko-KR" sz="1000">
+              <a:rPr lang="en-US" altLang="ko-KR" sz="1000" dirty="0">
                 <a:solidFill>
                   <a:srgbClr val="0052CC"/>
                 </a:solidFill>
@@ -19520,7 +19520,7 @@
           </a:p>
           <a:p>
             <a:pPr algn="ctr"/>
-            <a:endParaRPr lang="ko-KR" altLang="en-US" sz="1200">
+            <a:endParaRPr lang="ko-KR" altLang="en-US" sz="1200" dirty="0">
               <a:solidFill>
                 <a:srgbClr val="0052CC"/>
               </a:solidFill>
@@ -19544,8 +19544,8 @@
         </p:nvSpPr>
         <p:spPr>
           <a:xfrm>
-            <a:off x="7271160" y="3511392"/>
-            <a:ext cx="2088000" cy="2147612"/>
+            <a:off x="7271160" y="4585197"/>
+            <a:ext cx="2088000" cy="2228349"/>
           </a:xfrm>
           <a:prstGeom prst="rect">
             <a:avLst/>
@@ -19578,7 +19578,7 @@
           <a:lstStyle/>
           <a:p>
             <a:r>
-              <a:rPr lang="en-US" altLang="ko-KR" sz="1000">
+              <a:rPr lang="en-US" altLang="ko-KR" sz="1000" dirty="0">
                 <a:solidFill>
                   <a:srgbClr val="0052CC"/>
                 </a:solidFill>
@@ -19588,7 +19588,7 @@
               <a:t>1) UI/UX </a:t>
             </a:r>
             <a:r>
-              <a:rPr lang="ko-KR" altLang="en-US" sz="1000">
+              <a:rPr lang="ko-KR" altLang="en-US" sz="1000" dirty="0">
                 <a:solidFill>
                   <a:srgbClr val="0052CC"/>
                 </a:solidFill>
@@ -19597,7 +19597,7 @@
               </a:rPr>
               <a:t>설계 및 화면 구현 </a:t>
             </a:r>
-            <a:endParaRPr lang="en-US" altLang="ko-KR" sz="1000">
+            <a:endParaRPr lang="en-US" altLang="ko-KR" sz="1000" dirty="0">
               <a:solidFill>
                 <a:srgbClr val="0052CC"/>
               </a:solidFill>
@@ -19606,7 +19606,7 @@
             </a:endParaRPr>
           </a:p>
           <a:p>
-            <a:endParaRPr lang="en-US" altLang="ko-KR" sz="1000">
+            <a:endParaRPr lang="en-US" altLang="ko-KR" sz="1000" dirty="0">
               <a:solidFill>
                 <a:srgbClr val="0052CC"/>
               </a:solidFill>
@@ -19616,7 +19616,7 @@
           </a:p>
           <a:p>
             <a:r>
-              <a:rPr lang="en-US" altLang="ko-KR" sz="1000">
+              <a:rPr lang="en-US" altLang="ko-KR" sz="1000" dirty="0">
                 <a:solidFill>
                   <a:srgbClr val="0052CC"/>
                 </a:solidFill>
@@ -19626,7 +19626,7 @@
               <a:t>2) Spring MVC + JSP </a:t>
             </a:r>
             <a:r>
-              <a:rPr lang="ko-KR" altLang="en-US" sz="1000">
+              <a:rPr lang="ko-KR" altLang="en-US" sz="1000" dirty="0">
                 <a:solidFill>
                   <a:srgbClr val="0052CC"/>
                 </a:solidFill>
@@ -19638,7 +19638,7 @@
           </a:p>
           <a:p>
             <a:br>
-              <a:rPr lang="en-US" altLang="ko-KR" sz="1000">
+              <a:rPr lang="en-US" altLang="ko-KR" sz="1000" dirty="0">
                 <a:solidFill>
                   <a:srgbClr val="0052CC"/>
                 </a:solidFill>
@@ -19647,7 +19647,7 @@
               </a:rPr>
             </a:br>
             <a:r>
-              <a:rPr lang="en-US" altLang="ko-KR" sz="1000">
+              <a:rPr lang="en-US" altLang="ko-KR" sz="1000" dirty="0">
                 <a:solidFill>
                   <a:srgbClr val="0052CC"/>
                 </a:solidFill>
@@ -19657,18 +19657,28 @@
               <a:t>3) </a:t>
             </a:r>
             <a:r>
-              <a:rPr lang="ko-KR" altLang="en-US" sz="1000">
-                <a:solidFill>
-                  <a:srgbClr val="0052CC"/>
-                </a:solidFill>
-                <a:latin typeface="HY견고딕" panose="02030600000101010101" pitchFamily="18" charset="-127"/>
-                <a:ea typeface="HY견고딕" panose="02030600000101010101" pitchFamily="18" charset="-127"/>
-              </a:rPr>
-              <a:t>백엔드와 연동하여 데이터 처리 및 화면 표시</a:t>
-            </a:r>
-          </a:p>
-          <a:p>
-            <a:endParaRPr lang="en-US" altLang="ko-KR" sz="1000">
+              <a:rPr lang="ko-KR" altLang="en-US" sz="1000" dirty="0" err="1">
+                <a:solidFill>
+                  <a:srgbClr val="0052CC"/>
+                </a:solidFill>
+                <a:latin typeface="HY견고딕" panose="02030600000101010101" pitchFamily="18" charset="-127"/>
+                <a:ea typeface="HY견고딕" panose="02030600000101010101" pitchFamily="18" charset="-127"/>
+              </a:rPr>
+              <a:t>백엔드와</a:t>
+            </a:r>
+            <a:r>
+              <a:rPr lang="ko-KR" altLang="en-US" sz="1000" dirty="0">
+                <a:solidFill>
+                  <a:srgbClr val="0052CC"/>
+                </a:solidFill>
+                <a:latin typeface="HY견고딕" panose="02030600000101010101" pitchFamily="18" charset="-127"/>
+                <a:ea typeface="HY견고딕" panose="02030600000101010101" pitchFamily="18" charset="-127"/>
+              </a:rPr>
+              <a:t> 연동하여 데이터 처리 및 화면 표시</a:t>
+            </a:r>
+          </a:p>
+          <a:p>
+            <a:endParaRPr lang="en-US" altLang="ko-KR" sz="1000" dirty="0">
               <a:solidFill>
                 <a:srgbClr val="0052CC"/>
               </a:solidFill>
@@ -19678,7 +19688,7 @@
           </a:p>
           <a:p>
             <a:r>
-              <a:rPr lang="en-US" altLang="ko-KR" sz="1000">
+              <a:rPr lang="en-US" altLang="ko-KR" sz="1000" dirty="0">
                 <a:solidFill>
                   <a:srgbClr val="0052CC"/>
                 </a:solidFill>
@@ -19688,7 +19698,7 @@
               <a:t>4) </a:t>
             </a:r>
             <a:r>
-              <a:rPr lang="ko-KR" altLang="en-US" sz="1000">
+              <a:rPr lang="ko-KR" altLang="en-US" sz="1000" dirty="0">
                 <a:solidFill>
                   <a:srgbClr val="0052CC"/>
                 </a:solidFill>
@@ -19699,7 +19709,7 @@
             </a:r>
           </a:p>
           <a:p>
-            <a:endParaRPr lang="en-US" altLang="ko-KR" sz="1000">
+            <a:endParaRPr lang="en-US" altLang="ko-KR" sz="1000" dirty="0">
               <a:solidFill>
                 <a:srgbClr val="0052CC"/>
               </a:solidFill>
@@ -19709,7 +19719,7 @@
           </a:p>
           <a:p>
             <a:r>
-              <a:rPr lang="en-US" altLang="ko-KR" sz="1000">
+              <a:rPr lang="en-US" altLang="ko-KR" sz="1000" dirty="0">
                 <a:solidFill>
                   <a:srgbClr val="0052CC"/>
                 </a:solidFill>
@@ -19719,7 +19729,7 @@
               <a:t>5) </a:t>
             </a:r>
             <a:r>
-              <a:rPr lang="ko-KR" altLang="en-US" sz="1000">
+              <a:rPr lang="ko-KR" altLang="en-US" sz="1000" dirty="0">
                 <a:solidFill>
                   <a:srgbClr val="0052CC"/>
                 </a:solidFill>
@@ -19728,7 +19738,7 @@
               </a:rPr>
               <a:t>클라이언트 측 동적 기능 구현</a:t>
             </a:r>
-            <a:endParaRPr lang="ko-KR" altLang="en-US" sz="1200">
+            <a:endParaRPr lang="ko-KR" altLang="en-US" sz="1200" dirty="0">
               <a:solidFill>
                 <a:srgbClr val="0052CC"/>
               </a:solidFill>
@@ -19752,8 +19762,8 @@
         </p:nvSpPr>
         <p:spPr>
           <a:xfrm>
-            <a:off x="9490320" y="3511392"/>
-            <a:ext cx="2088000" cy="2147612"/>
+            <a:off x="9490320" y="4582798"/>
+            <a:ext cx="2088000" cy="2230749"/>
           </a:xfrm>
           <a:prstGeom prst="rect">
             <a:avLst/>
@@ -19786,7 +19796,7 @@
           <a:lstStyle/>
           <a:p>
             <a:r>
-              <a:rPr lang="en-US" altLang="ko-KR" sz="1000">
+              <a:rPr lang="en-US" altLang="ko-KR" sz="1000" dirty="0">
                 <a:solidFill>
                   <a:srgbClr val="0052CC"/>
                 </a:solidFill>
@@ -19796,17 +19806,27 @@
               <a:t>1) </a:t>
             </a:r>
             <a:r>
-              <a:rPr lang="ko-KR" altLang="en-US" sz="1000">
-                <a:solidFill>
-                  <a:srgbClr val="0052CC"/>
-                </a:solidFill>
-                <a:latin typeface="HY견고딕" panose="02030600000101010101" pitchFamily="18" charset="-127"/>
-                <a:ea typeface="HY견고딕" panose="02030600000101010101" pitchFamily="18" charset="-127"/>
-              </a:rPr>
-              <a:t>데이터 수집 및 전처리</a:t>
-            </a:r>
-            <a:r>
-              <a:rPr lang="en-US" altLang="ko-KR" sz="1000">
+              <a:rPr lang="ko-KR" altLang="en-US" sz="1000" dirty="0">
+                <a:solidFill>
+                  <a:srgbClr val="0052CC"/>
+                </a:solidFill>
+                <a:latin typeface="HY견고딕" panose="02030600000101010101" pitchFamily="18" charset="-127"/>
+                <a:ea typeface="HY견고딕" panose="02030600000101010101" pitchFamily="18" charset="-127"/>
+              </a:rPr>
+              <a:t>데이터 수집 및 </a:t>
+            </a:r>
+            <a:r>
+              <a:rPr lang="ko-KR" altLang="en-US" sz="1000" dirty="0" err="1">
+                <a:solidFill>
+                  <a:srgbClr val="0052CC"/>
+                </a:solidFill>
+                <a:latin typeface="HY견고딕" panose="02030600000101010101" pitchFamily="18" charset="-127"/>
+                <a:ea typeface="HY견고딕" panose="02030600000101010101" pitchFamily="18" charset="-127"/>
+              </a:rPr>
+              <a:t>전처리</a:t>
+            </a:r>
+            <a:r>
+              <a:rPr lang="en-US" altLang="ko-KR" sz="1000" dirty="0">
                 <a:solidFill>
                   <a:srgbClr val="0052CC"/>
                 </a:solidFill>
@@ -19816,7 +19836,7 @@
               <a:t>(Dart, </a:t>
             </a:r>
             <a:r>
-              <a:rPr lang="ko-KR" altLang="en-US" sz="1000">
+              <a:rPr lang="ko-KR" altLang="en-US" sz="1000" dirty="0">
                 <a:solidFill>
                   <a:srgbClr val="0052CC"/>
                 </a:solidFill>
@@ -19826,7 +19846,7 @@
               <a:t>삼성공식홈페이지 </a:t>
             </a:r>
             <a:r>
-              <a:rPr lang="en-US" altLang="ko-KR" sz="1000">
+              <a:rPr lang="en-US" altLang="ko-KR" sz="1000" dirty="0">
                 <a:solidFill>
                   <a:srgbClr val="0052CC"/>
                 </a:solidFill>
@@ -19836,7 +19856,7 @@
               <a:t>IR</a:t>
             </a:r>
             <a:r>
-              <a:rPr lang="ko-KR" altLang="en-US" sz="1000">
+              <a:rPr lang="ko-KR" altLang="en-US" sz="1000" dirty="0">
                 <a:solidFill>
                   <a:srgbClr val="0052CC"/>
                 </a:solidFill>
@@ -19846,7 +19866,7 @@
               <a:t>자료</a:t>
             </a:r>
             <a:r>
-              <a:rPr lang="en-US" altLang="ko-KR" sz="1000">
+              <a:rPr lang="en-US" altLang="ko-KR" sz="1000" dirty="0">
                 <a:solidFill>
                   <a:srgbClr val="0052CC"/>
                 </a:solidFill>
@@ -19857,7 +19877,7 @@
             </a:r>
           </a:p>
           <a:p>
-            <a:endParaRPr lang="en-US" altLang="ko-KR" sz="1000">
+            <a:endParaRPr lang="en-US" altLang="ko-KR" sz="1000" dirty="0">
               <a:solidFill>
                 <a:srgbClr val="0052CC"/>
               </a:solidFill>
@@ -19867,7 +19887,7 @@
           </a:p>
           <a:p>
             <a:r>
-              <a:rPr lang="en-US" altLang="ko-KR" sz="1000">
+              <a:rPr lang="en-US" altLang="ko-KR" sz="1000" dirty="0">
                 <a:solidFill>
                   <a:srgbClr val="0052CC"/>
                 </a:solidFill>
@@ -19877,17 +19897,27 @@
               <a:t>2) </a:t>
             </a:r>
             <a:r>
-              <a:rPr lang="ko-KR" altLang="en-US" sz="1000">
-                <a:solidFill>
-                  <a:srgbClr val="0052CC"/>
-                </a:solidFill>
-                <a:latin typeface="HY견고딕" panose="02030600000101010101" pitchFamily="18" charset="-127"/>
-                <a:ea typeface="HY견고딕" panose="02030600000101010101" pitchFamily="18" charset="-127"/>
-              </a:rPr>
-              <a:t>머신러닝 모델 개발 </a:t>
-            </a:r>
-            <a:r>
-              <a:rPr lang="en-US" altLang="ko-KR" sz="1000">
+              <a:rPr lang="ko-KR" altLang="en-US" sz="1000" dirty="0" err="1">
+                <a:solidFill>
+                  <a:srgbClr val="0052CC"/>
+                </a:solidFill>
+                <a:latin typeface="HY견고딕" panose="02030600000101010101" pitchFamily="18" charset="-127"/>
+                <a:ea typeface="HY견고딕" panose="02030600000101010101" pitchFamily="18" charset="-127"/>
+              </a:rPr>
+              <a:t>머신러닝</a:t>
+            </a:r>
+            <a:r>
+              <a:rPr lang="ko-KR" altLang="en-US" sz="1000" dirty="0">
+                <a:solidFill>
+                  <a:srgbClr val="0052CC"/>
+                </a:solidFill>
+                <a:latin typeface="HY견고딕" panose="02030600000101010101" pitchFamily="18" charset="-127"/>
+                <a:ea typeface="HY견고딕" panose="02030600000101010101" pitchFamily="18" charset="-127"/>
+              </a:rPr>
+              <a:t> 모델 개발 </a:t>
+            </a:r>
+            <a:r>
+              <a:rPr lang="en-US" altLang="ko-KR" sz="1000" dirty="0">
                 <a:solidFill>
                   <a:srgbClr val="0052CC"/>
                 </a:solidFill>
@@ -19897,7 +19927,7 @@
               <a:t>(</a:t>
             </a:r>
             <a:r>
-              <a:rPr lang="ko-KR" altLang="en-US" sz="1000">
+              <a:rPr lang="ko-KR" altLang="en-US" sz="1000" dirty="0">
                 <a:solidFill>
                   <a:srgbClr val="0052CC"/>
                 </a:solidFill>
@@ -19907,7 +19937,7 @@
               <a:t>분석</a:t>
             </a:r>
             <a:r>
-              <a:rPr lang="en-US" altLang="ko-KR" sz="1000">
+              <a:rPr lang="en-US" altLang="ko-KR" sz="1000" dirty="0">
                 <a:solidFill>
                   <a:srgbClr val="0052CC"/>
                 </a:solidFill>
@@ -19917,7 +19947,7 @@
               <a:t>, </a:t>
             </a:r>
             <a:r>
-              <a:rPr lang="ko-KR" altLang="en-US" sz="1000">
+              <a:rPr lang="ko-KR" altLang="en-US" sz="1000" dirty="0">
                 <a:solidFill>
                   <a:srgbClr val="0052CC"/>
                 </a:solidFill>
@@ -19927,7 +19957,7 @@
               <a:t>예측</a:t>
             </a:r>
             <a:r>
-              <a:rPr lang="en-US" altLang="ko-KR" sz="1000">
+              <a:rPr lang="en-US" altLang="ko-KR" sz="1000" dirty="0">
                 <a:solidFill>
                   <a:srgbClr val="0052CC"/>
                 </a:solidFill>
@@ -19938,7 +19968,7 @@
             </a:r>
           </a:p>
           <a:p>
-            <a:endParaRPr lang="en-US" altLang="ko-KR" sz="1000">
+            <a:endParaRPr lang="en-US" altLang="ko-KR" sz="1000" dirty="0">
               <a:solidFill>
                 <a:srgbClr val="0052CC"/>
               </a:solidFill>
@@ -19948,7 +19978,7 @@
           </a:p>
           <a:p>
             <a:r>
-              <a:rPr lang="en-US" altLang="ko-KR" sz="1000">
+              <a:rPr lang="en-US" altLang="ko-KR" sz="1000" dirty="0">
                 <a:solidFill>
                   <a:srgbClr val="0052CC"/>
                 </a:solidFill>
@@ -19958,7 +19988,7 @@
               <a:t>3) </a:t>
             </a:r>
             <a:r>
-              <a:rPr lang="ko-KR" altLang="en-US" sz="1000">
+              <a:rPr lang="ko-KR" altLang="en-US" sz="1000" dirty="0">
                 <a:solidFill>
                   <a:srgbClr val="0052CC"/>
                 </a:solidFill>
@@ -19970,7 +20000,7 @@
           </a:p>
           <a:p>
             <a:pPr algn="ctr"/>
-            <a:endParaRPr lang="ko-KR" altLang="en-US" sz="1200">
+            <a:endParaRPr lang="ko-KR" altLang="en-US" sz="1200" dirty="0">
               <a:solidFill>
                 <a:srgbClr val="0052CC"/>
               </a:solidFill>
@@ -19980,6 +20010,114 @@
           </a:p>
         </p:txBody>
       </p:sp>
+      <p:pic>
+        <p:nvPicPr>
+          <p:cNvPr id="15" name="그림 14" descr="인간의 얼굴, 안경, 사람, 턱이(가) 표시된 사진&#10;&#10;AI 생성 콘텐츠는 정확하지 않을 수 있습니다.">
+            <a:extLst>
+              <a:ext uri="{FF2B5EF4-FFF2-40B4-BE49-F238E27FC236}">
+                <a16:creationId xmlns:a16="http://schemas.microsoft.com/office/drawing/2014/main" id="{91CA1F01-28BD-C9DC-23E5-11F42A0265D5}"/>
+              </a:ext>
+            </a:extLst>
+          </p:cNvPr>
+          <p:cNvPicPr>
+            <a:picLocks noChangeAspect="1"/>
+          </p:cNvPicPr>
+          <p:nvPr/>
+        </p:nvPicPr>
+        <p:blipFill>
+          <a:blip r:embed="rId3">
+            <a:extLst>
+              <a:ext uri="{28A0092B-C50C-407E-A947-70E740481C1C}">
+                <a14:useLocalDpi xmlns:a14="http://schemas.microsoft.com/office/drawing/2010/main" val="0"/>
+              </a:ext>
+            </a:extLst>
+          </a:blip>
+          <a:stretch>
+            <a:fillRect/>
+          </a:stretch>
+        </p:blipFill>
+        <p:spPr>
+          <a:xfrm>
+            <a:off x="9488464" y="1295403"/>
+            <a:ext cx="2088001" cy="2570062"/>
+          </a:xfrm>
+          <a:prstGeom prst="rect">
+            <a:avLst/>
+          </a:prstGeom>
+        </p:spPr>
+      </p:pic>
+      <p:pic>
+        <p:nvPicPr>
+          <p:cNvPr id="18" name="그림 17" descr="인간의 얼굴, 사람, 입술, 의류이(가) 표시된 사진">
+            <a:extLst>
+              <a:ext uri="{FF2B5EF4-FFF2-40B4-BE49-F238E27FC236}">
+                <a16:creationId xmlns:a16="http://schemas.microsoft.com/office/drawing/2014/main" id="{10CB215C-8C26-DC32-E4F6-6355C533DD9C}"/>
+              </a:ext>
+            </a:extLst>
+          </p:cNvPr>
+          <p:cNvPicPr>
+            <a:picLocks noChangeAspect="1"/>
+          </p:cNvPicPr>
+          <p:nvPr/>
+        </p:nvPicPr>
+        <p:blipFill>
+          <a:blip r:embed="rId4">
+            <a:extLst>
+              <a:ext uri="{28A0092B-C50C-407E-A947-70E740481C1C}">
+                <a14:useLocalDpi xmlns:a14="http://schemas.microsoft.com/office/drawing/2010/main" val="0"/>
+              </a:ext>
+            </a:extLst>
+          </a:blip>
+          <a:stretch>
+            <a:fillRect/>
+          </a:stretch>
+        </p:blipFill>
+        <p:spPr>
+          <a:xfrm>
+            <a:off x="7269305" y="1091381"/>
+            <a:ext cx="2089855" cy="2754774"/>
+          </a:xfrm>
+          <a:prstGeom prst="rect">
+            <a:avLst/>
+          </a:prstGeom>
+        </p:spPr>
+      </p:pic>
+      <p:pic>
+        <p:nvPicPr>
+          <p:cNvPr id="23" name="그림 22" descr="인간의 얼굴, 사람, 의류, 턱이(가) 표시된 사진">
+            <a:extLst>
+              <a:ext uri="{FF2B5EF4-FFF2-40B4-BE49-F238E27FC236}">
+                <a16:creationId xmlns:a16="http://schemas.microsoft.com/office/drawing/2014/main" id="{2CF0C976-99D9-0F03-CC43-C66FDD9D1008}"/>
+              </a:ext>
+            </a:extLst>
+          </p:cNvPr>
+          <p:cNvPicPr>
+            <a:picLocks noChangeAspect="1"/>
+          </p:cNvPicPr>
+          <p:nvPr/>
+        </p:nvPicPr>
+        <p:blipFill>
+          <a:blip r:embed="rId5">
+            <a:extLst>
+              <a:ext uri="{28A0092B-C50C-407E-A947-70E740481C1C}">
+                <a14:useLocalDpi xmlns:a14="http://schemas.microsoft.com/office/drawing/2010/main" val="0"/>
+              </a:ext>
+            </a:extLst>
+          </a:blip>
+          <a:stretch>
+            <a:fillRect/>
+          </a:stretch>
+        </p:blipFill>
+        <p:spPr>
+          <a:xfrm>
+            <a:off x="611825" y="1181100"/>
+            <a:ext cx="2089855" cy="2676436"/>
+          </a:xfrm>
+          <a:prstGeom prst="rect">
+            <a:avLst/>
+          </a:prstGeom>
+        </p:spPr>
+      </p:pic>
     </p:spTree>
     <p:extLst>
       <p:ext uri="{BB962C8B-B14F-4D97-AF65-F5344CB8AC3E}">

--- a/산출물/발표자료.pptx
+++ b/산출물/발표자료.pptx
@@ -1743,7 +1743,7 @@
           <a:p>
             <a:fld id="{F48B0972-FBE4-4DD3-8B54-69CBEBFCFB19}" type="datetimeFigureOut">
               <a:rPr lang="ko-KR" altLang="en-US" smtClean="0"/>
-              <a:t>2025-10-13</a:t>
+              <a:t>2025-10-14</a:t>
             </a:fld>
             <a:endParaRPr lang="ko-KR" altLang="en-US"/>
           </a:p>
@@ -2957,7 +2957,7 @@
           <a:p>
             <a:fld id="{2301FE38-E79F-4AB1-AD23-A786496F1CB1}" type="datetimeFigureOut">
               <a:rPr lang="ko-KR" altLang="en-US" smtClean="0"/>
-              <a:t>2025-10-13</a:t>
+              <a:t>2025-10-14</a:t>
             </a:fld>
             <a:endParaRPr lang="ko-KR" altLang="en-US"/>
           </a:p>
@@ -3179,7 +3179,7 @@
           <a:p>
             <a:fld id="{2301FE38-E79F-4AB1-AD23-A786496F1CB1}" type="datetimeFigureOut">
               <a:rPr lang="ko-KR" altLang="en-US" smtClean="0"/>
-              <a:t>2025-10-13</a:t>
+              <a:t>2025-10-14</a:t>
             </a:fld>
             <a:endParaRPr lang="ko-KR" altLang="en-US"/>
           </a:p>
@@ -3359,7 +3359,7 @@
           <a:p>
             <a:fld id="{2301FE38-E79F-4AB1-AD23-A786496F1CB1}" type="datetimeFigureOut">
               <a:rPr lang="ko-KR" altLang="en-US" smtClean="0"/>
-              <a:t>2025-10-13</a:t>
+              <a:t>2025-10-14</a:t>
             </a:fld>
             <a:endParaRPr lang="ko-KR" altLang="en-US"/>
           </a:p>
@@ -3567,7 +3567,7 @@
           <a:p>
             <a:fld id="{6C60E06C-93A1-47B3-80FF-174835BE09C3}" type="datetimeFigureOut">
               <a:rPr lang="ko-KR" altLang="en-US" smtClean="0"/>
-              <a:t>2025-10-13</a:t>
+              <a:t>2025-10-14</a:t>
             </a:fld>
             <a:endParaRPr lang="ko-KR" altLang="en-US"/>
           </a:p>
@@ -3765,7 +3765,7 @@
           <a:p>
             <a:fld id="{6C60E06C-93A1-47B3-80FF-174835BE09C3}" type="datetimeFigureOut">
               <a:rPr lang="ko-KR" altLang="en-US" smtClean="0"/>
-              <a:t>2025-10-13</a:t>
+              <a:t>2025-10-14</a:t>
             </a:fld>
             <a:endParaRPr lang="ko-KR" altLang="en-US"/>
           </a:p>
@@ -4040,7 +4040,7 @@
           <a:p>
             <a:fld id="{6C60E06C-93A1-47B3-80FF-174835BE09C3}" type="datetimeFigureOut">
               <a:rPr lang="ko-KR" altLang="en-US" smtClean="0"/>
-              <a:t>2025-10-13</a:t>
+              <a:t>2025-10-14</a:t>
             </a:fld>
             <a:endParaRPr lang="ko-KR" altLang="en-US"/>
           </a:p>
@@ -4305,7 +4305,7 @@
           <a:p>
             <a:fld id="{6C60E06C-93A1-47B3-80FF-174835BE09C3}" type="datetimeFigureOut">
               <a:rPr lang="ko-KR" altLang="en-US" smtClean="0"/>
-              <a:t>2025-10-13</a:t>
+              <a:t>2025-10-14</a:t>
             </a:fld>
             <a:endParaRPr lang="ko-KR" altLang="en-US"/>
           </a:p>
@@ -4717,7 +4717,7 @@
           <a:p>
             <a:fld id="{6C60E06C-93A1-47B3-80FF-174835BE09C3}" type="datetimeFigureOut">
               <a:rPr lang="ko-KR" altLang="en-US" smtClean="0"/>
-              <a:t>2025-10-13</a:t>
+              <a:t>2025-10-14</a:t>
             </a:fld>
             <a:endParaRPr lang="ko-KR" altLang="en-US"/>
           </a:p>
@@ -4858,7 +4858,7 @@
           <a:p>
             <a:fld id="{6C60E06C-93A1-47B3-80FF-174835BE09C3}" type="datetimeFigureOut">
               <a:rPr lang="ko-KR" altLang="en-US" smtClean="0"/>
-              <a:t>2025-10-13</a:t>
+              <a:t>2025-10-14</a:t>
             </a:fld>
             <a:endParaRPr lang="ko-KR" altLang="en-US"/>
           </a:p>
@@ -4971,7 +4971,7 @@
           <a:p>
             <a:fld id="{6C60E06C-93A1-47B3-80FF-174835BE09C3}" type="datetimeFigureOut">
               <a:rPr lang="ko-KR" altLang="en-US" smtClean="0"/>
-              <a:t>2025-10-13</a:t>
+              <a:t>2025-10-14</a:t>
             </a:fld>
             <a:endParaRPr lang="ko-KR" altLang="en-US"/>
           </a:p>
@@ -5282,7 +5282,7 @@
           <a:p>
             <a:fld id="{6C60E06C-93A1-47B3-80FF-174835BE09C3}" type="datetimeFigureOut">
               <a:rPr lang="ko-KR" altLang="en-US" smtClean="0"/>
-              <a:t>2025-10-13</a:t>
+              <a:t>2025-10-14</a:t>
             </a:fld>
             <a:endParaRPr lang="ko-KR" altLang="en-US"/>
           </a:p>
@@ -5464,7 +5464,7 @@
           <a:p>
             <a:fld id="{2301FE38-E79F-4AB1-AD23-A786496F1CB1}" type="datetimeFigureOut">
               <a:rPr lang="ko-KR" altLang="en-US" smtClean="0"/>
-              <a:t>2025-10-13</a:t>
+              <a:t>2025-10-14</a:t>
             </a:fld>
             <a:endParaRPr lang="ko-KR" altLang="en-US"/>
           </a:p>
@@ -5844,7 +5844,7 @@
           <a:p>
             <a:fld id="{6C60E06C-93A1-47B3-80FF-174835BE09C3}" type="datetimeFigureOut">
               <a:rPr lang="ko-KR" altLang="en-US" smtClean="0"/>
-              <a:t>2025-10-13</a:t>
+              <a:t>2025-10-14</a:t>
             </a:fld>
             <a:endParaRPr lang="ko-KR" altLang="en-US"/>
           </a:p>
@@ -6042,7 +6042,7 @@
           <a:p>
             <a:fld id="{6C60E06C-93A1-47B3-80FF-174835BE09C3}" type="datetimeFigureOut">
               <a:rPr lang="ko-KR" altLang="en-US" smtClean="0"/>
-              <a:t>2025-10-13</a:t>
+              <a:t>2025-10-14</a:t>
             </a:fld>
             <a:endParaRPr lang="ko-KR" altLang="en-US"/>
           </a:p>
@@ -6250,7 +6250,7 @@
           <a:p>
             <a:fld id="{6C60E06C-93A1-47B3-80FF-174835BE09C3}" type="datetimeFigureOut">
               <a:rPr lang="ko-KR" altLang="en-US" smtClean="0"/>
-              <a:t>2025-10-13</a:t>
+              <a:t>2025-10-14</a:t>
             </a:fld>
             <a:endParaRPr lang="ko-KR" altLang="en-US"/>
           </a:p>
@@ -6508,7 +6508,7 @@
           <a:p>
             <a:fld id="{2301FE38-E79F-4AB1-AD23-A786496F1CB1}" type="datetimeFigureOut">
               <a:rPr lang="ko-KR" altLang="en-US" smtClean="0"/>
-              <a:t>2025-10-13</a:t>
+              <a:t>2025-10-14</a:t>
             </a:fld>
             <a:endParaRPr lang="ko-KR" altLang="en-US"/>
           </a:p>
@@ -6740,7 +6740,7 @@
           <a:p>
             <a:fld id="{2301FE38-E79F-4AB1-AD23-A786496F1CB1}" type="datetimeFigureOut">
               <a:rPr lang="ko-KR" altLang="en-US" smtClean="0"/>
-              <a:t>2025-10-13</a:t>
+              <a:t>2025-10-14</a:t>
             </a:fld>
             <a:endParaRPr lang="ko-KR" altLang="en-US"/>
           </a:p>
@@ -7107,7 +7107,7 @@
           <a:p>
             <a:fld id="{2301FE38-E79F-4AB1-AD23-A786496F1CB1}" type="datetimeFigureOut">
               <a:rPr lang="ko-KR" altLang="en-US" smtClean="0"/>
-              <a:t>2025-10-13</a:t>
+              <a:t>2025-10-14</a:t>
             </a:fld>
             <a:endParaRPr lang="ko-KR" altLang="en-US"/>
           </a:p>
@@ -7225,7 +7225,7 @@
           <a:p>
             <a:fld id="{2301FE38-E79F-4AB1-AD23-A786496F1CB1}" type="datetimeFigureOut">
               <a:rPr lang="ko-KR" altLang="en-US" smtClean="0"/>
-              <a:t>2025-10-13</a:t>
+              <a:t>2025-10-14</a:t>
             </a:fld>
             <a:endParaRPr lang="ko-KR" altLang="en-US"/>
           </a:p>
@@ -7320,7 +7320,7 @@
           <a:p>
             <a:fld id="{2301FE38-E79F-4AB1-AD23-A786496F1CB1}" type="datetimeFigureOut">
               <a:rPr lang="ko-KR" altLang="en-US" smtClean="0"/>
-              <a:t>2025-10-13</a:t>
+              <a:t>2025-10-14</a:t>
             </a:fld>
             <a:endParaRPr lang="ko-KR" altLang="en-US"/>
           </a:p>
@@ -7597,7 +7597,7 @@
           <a:p>
             <a:fld id="{2301FE38-E79F-4AB1-AD23-A786496F1CB1}" type="datetimeFigureOut">
               <a:rPr lang="ko-KR" altLang="en-US" smtClean="0"/>
-              <a:t>2025-10-13</a:t>
+              <a:t>2025-10-14</a:t>
             </a:fld>
             <a:endParaRPr lang="ko-KR" altLang="en-US"/>
           </a:p>
@@ -7854,7 +7854,7 @@
           <a:p>
             <a:fld id="{2301FE38-E79F-4AB1-AD23-A786496F1CB1}" type="datetimeFigureOut">
               <a:rPr lang="ko-KR" altLang="en-US" smtClean="0"/>
-              <a:t>2025-10-13</a:t>
+              <a:t>2025-10-14</a:t>
             </a:fld>
             <a:endParaRPr lang="ko-KR" altLang="en-US"/>
           </a:p>
@@ -8067,7 +8067,7 @@
           <a:p>
             <a:fld id="{2301FE38-E79F-4AB1-AD23-A786496F1CB1}" type="datetimeFigureOut">
               <a:rPr lang="ko-KR" altLang="en-US" smtClean="0"/>
-              <a:t>2025-10-13</a:t>
+              <a:t>2025-10-14</a:t>
             </a:fld>
             <a:endParaRPr lang="ko-KR" altLang="en-US"/>
           </a:p>
@@ -8727,7 +8727,7 @@
           <a:p>
             <a:fld id="{6C60E06C-93A1-47B3-80FF-174835BE09C3}" type="datetimeFigureOut">
               <a:rPr lang="ko-KR" altLang="en-US" smtClean="0"/>
-              <a:t>2025-10-13</a:t>
+              <a:t>2025-10-14</a:t>
             </a:fld>
             <a:endParaRPr lang="ko-KR" altLang="en-US"/>
           </a:p>
@@ -17664,7 +17664,7 @@
         </p:nvSpPr>
         <p:spPr>
           <a:xfrm>
-            <a:off x="2868840" y="1330127"/>
+            <a:off x="2832840" y="1330127"/>
             <a:ext cx="2088000" cy="2516028"/>
           </a:xfrm>
           <a:prstGeom prst="rect">
@@ -17716,7 +17716,7 @@
         </p:nvSpPr>
         <p:spPr>
           <a:xfrm>
-            <a:off x="5052000" y="1332072"/>
+            <a:off x="5050145" y="1336789"/>
             <a:ext cx="2088000" cy="2516028"/>
           </a:xfrm>
           <a:prstGeom prst="rect">
@@ -20112,6 +20112,42 @@
           <a:xfrm>
             <a:off x="611825" y="1181100"/>
             <a:ext cx="2089855" cy="2676436"/>
+          </a:xfrm>
+          <a:prstGeom prst="rect">
+            <a:avLst/>
+          </a:prstGeom>
+        </p:spPr>
+      </p:pic>
+      <p:pic>
+        <p:nvPicPr>
+          <p:cNvPr id="16" name="그림 15" descr="사람, 인간의 얼굴, 의류, 넥타이이(가) 표시된 사진&#10;&#10;AI 생성 콘텐츠는 정확하지 않을 수 있습니다.">
+            <a:extLst>
+              <a:ext uri="{FF2B5EF4-FFF2-40B4-BE49-F238E27FC236}">
+                <a16:creationId xmlns:a16="http://schemas.microsoft.com/office/drawing/2014/main" id="{3A304ED7-C1AE-EBA8-A88B-EF308C57F743}"/>
+              </a:ext>
+            </a:extLst>
+          </p:cNvPr>
+          <p:cNvPicPr>
+            <a:picLocks noChangeAspect="1"/>
+          </p:cNvPicPr>
+          <p:nvPr/>
+        </p:nvPicPr>
+        <p:blipFill>
+          <a:blip r:embed="rId6">
+            <a:extLst>
+              <a:ext uri="{28A0092B-C50C-407E-A947-70E740481C1C}">
+                <a14:useLocalDpi xmlns:a14="http://schemas.microsoft.com/office/drawing/2010/main" val="0"/>
+              </a:ext>
+            </a:extLst>
+          </a:blip>
+          <a:stretch>
+            <a:fillRect/>
+          </a:stretch>
+        </p:blipFill>
+        <p:spPr>
+          <a:xfrm>
+            <a:off x="2830985" y="1340426"/>
+            <a:ext cx="2089855" cy="2517110"/>
           </a:xfrm>
           <a:prstGeom prst="rect">
             <a:avLst/>

--- a/산출물/발표자료.pptx
+++ b/산출물/발표자료.pptx
@@ -17332,9 +17332,7 @@
             <a:srgbClr val="0052CC"/>
           </a:solidFill>
           <a:ln w="3175">
-            <a:solidFill>
-              <a:schemeClr val="tx1"/>
-            </a:solidFill>
+            <a:noFill/>
           </a:ln>
         </p:spPr>
         <p:style>
@@ -17390,9 +17388,7 @@
             <a:srgbClr val="0052CC"/>
           </a:solidFill>
           <a:ln w="3175">
-            <a:solidFill>
-              <a:schemeClr val="tx1"/>
-            </a:solidFill>
+            <a:noFill/>
           </a:ln>
         </p:spPr>
         <p:style>
@@ -17448,9 +17444,7 @@
             <a:srgbClr val="0052CC"/>
           </a:solidFill>
           <a:ln w="3175">
-            <a:solidFill>
-              <a:schemeClr val="tx1"/>
-            </a:solidFill>
+            <a:noFill/>
           </a:ln>
         </p:spPr>
         <p:style>
@@ -17506,9 +17500,7 @@
             <a:srgbClr val="0052CC"/>
           </a:solidFill>
           <a:ln w="3175">
-            <a:solidFill>
-              <a:schemeClr val="tx1"/>
-            </a:solidFill>
+            <a:noFill/>
           </a:ln>
         </p:spPr>
         <p:style>
@@ -17564,9 +17556,7 @@
             <a:srgbClr val="0052CC"/>
           </a:solidFill>
           <a:ln w="3175">
-            <a:solidFill>
-              <a:schemeClr val="tx1"/>
-            </a:solidFill>
+            <a:noFill/>
           </a:ln>
         </p:spPr>
         <p:style>
@@ -18068,7 +18058,7 @@
         </p:nvSpPr>
         <p:spPr>
           <a:xfrm>
-            <a:off x="5052000" y="3904390"/>
+            <a:off x="5050145" y="3904390"/>
             <a:ext cx="2088000" cy="283368"/>
           </a:xfrm>
           <a:prstGeom prst="rect">
@@ -18802,7 +18792,7 @@
         </p:nvSpPr>
         <p:spPr>
           <a:xfrm>
-            <a:off x="7271160" y="4243594"/>
+            <a:off x="7269305" y="4243594"/>
             <a:ext cx="2088000" cy="283368"/>
           </a:xfrm>
           <a:prstGeom prst="rect">
@@ -20039,7 +20029,7 @@
         <p:spPr>
           <a:xfrm>
             <a:off x="9488464" y="1295403"/>
-            <a:ext cx="2088001" cy="2570062"/>
+            <a:ext cx="2089856" cy="2570062"/>
           </a:xfrm>
           <a:prstGeom prst="rect">
             <a:avLst/>
@@ -20110,7 +20100,7 @@
         </p:blipFill>
         <p:spPr>
           <a:xfrm>
-            <a:off x="611825" y="1181100"/>
+            <a:off x="612288" y="1169719"/>
             <a:ext cx="2089855" cy="2676436"/>
           </a:xfrm>
           <a:prstGeom prst="rect">
@@ -20146,8 +20136,44 @@
         </p:blipFill>
         <p:spPr>
           <a:xfrm>
-            <a:off x="2830985" y="1340426"/>
+            <a:off x="2831912" y="1330127"/>
             <a:ext cx="2089855" cy="2517110"/>
+          </a:xfrm>
+          <a:prstGeom prst="rect">
+            <a:avLst/>
+          </a:prstGeom>
+        </p:spPr>
+      </p:pic>
+      <p:pic>
+        <p:nvPicPr>
+          <p:cNvPr id="17" name="그림 16" descr="사람, 인간의 얼굴, 턱, 의류이(가) 표시된 사진">
+            <a:extLst>
+              <a:ext uri="{FF2B5EF4-FFF2-40B4-BE49-F238E27FC236}">
+                <a16:creationId xmlns:a16="http://schemas.microsoft.com/office/drawing/2014/main" id="{BB8FEC6D-427B-7FFB-01CF-FD34537960CE}"/>
+              </a:ext>
+            </a:extLst>
+          </p:cNvPr>
+          <p:cNvPicPr>
+            <a:picLocks noChangeAspect="1"/>
+          </p:cNvPicPr>
+          <p:nvPr/>
+        </p:nvPicPr>
+        <p:blipFill>
+          <a:blip r:embed="rId7">
+            <a:extLst>
+              <a:ext uri="{28A0092B-C50C-407E-A947-70E740481C1C}">
+                <a14:useLocalDpi xmlns:a14="http://schemas.microsoft.com/office/drawing/2010/main" val="0"/>
+              </a:ext>
+            </a:extLst>
+          </a:blip>
+          <a:stretch>
+            <a:fillRect/>
+          </a:stretch>
+        </p:blipFill>
+        <p:spPr>
+          <a:xfrm>
+            <a:off x="5050145" y="1176382"/>
+            <a:ext cx="2089856" cy="2676435"/>
           </a:xfrm>
           <a:prstGeom prst="rect">
             <a:avLst/>
